--- a/kNN (K-Nearest Neighbors).pptx
+++ b/kNN (K-Nearest Neighbors).pptx
@@ -182,12 +182,12 @@
   <pc:docChgLst>
     <pc:chgData name="Shadoe M" userId="06804e594be6b03d" providerId="LiveId" clId="{71425702-226C-4A33-BABE-64D797163800}"/>
     <pc:docChg chg="undo custSel addSld delSld modSld sldOrd addSection modSection">
-      <pc:chgData name="Shadoe M" userId="06804e594be6b03d" providerId="LiveId" clId="{71425702-226C-4A33-BABE-64D797163800}" dt="2024-12-11T16:45:02.772" v="1435" actId="313"/>
+      <pc:chgData name="Shadoe M" userId="06804e594be6b03d" providerId="LiveId" clId="{71425702-226C-4A33-BABE-64D797163800}" dt="2024-12-11T21:47:24.312" v="1455" actId="20577"/>
       <pc:docMkLst>
         <pc:docMk/>
       </pc:docMkLst>
       <pc:sldChg chg="addSp modSp mod modTransition modAnim">
-        <pc:chgData name="Shadoe M" userId="06804e594be6b03d" providerId="LiveId" clId="{71425702-226C-4A33-BABE-64D797163800}" dt="2024-12-11T16:45:02.772" v="1435" actId="313"/>
+        <pc:chgData name="Shadoe M" userId="06804e594be6b03d" providerId="LiveId" clId="{71425702-226C-4A33-BABE-64D797163800}" dt="2024-12-11T21:47:24.312" v="1455" actId="20577"/>
         <pc:sldMkLst>
           <pc:docMk/>
           <pc:sldMk cId="2669849752" sldId="256"/>
@@ -201,7 +201,7 @@
           </ac:spMkLst>
         </pc:spChg>
         <pc:spChg chg="mod">
-          <ac:chgData name="Shadoe M" userId="06804e594be6b03d" providerId="LiveId" clId="{71425702-226C-4A33-BABE-64D797163800}" dt="2024-12-07T13:07:18.187" v="8" actId="20577"/>
+          <ac:chgData name="Shadoe M" userId="06804e594be6b03d" providerId="LiveId" clId="{71425702-226C-4A33-BABE-64D797163800}" dt="2024-12-11T21:47:14.507" v="1442" actId="20577"/>
           <ac:spMkLst>
             <pc:docMk/>
             <pc:sldMk cId="2669849752" sldId="256"/>
@@ -214,6 +214,14 @@
             <pc:docMk/>
             <pc:sldMk cId="2669849752" sldId="256"/>
             <ac:spMk id="4" creationId="{A7B03210-310D-927D-34F5-90D92828D738}"/>
+          </ac:spMkLst>
+        </pc:spChg>
+        <pc:spChg chg="add mod">
+          <ac:chgData name="Shadoe M" userId="06804e594be6b03d" providerId="LiveId" clId="{71425702-226C-4A33-BABE-64D797163800}" dt="2024-12-11T21:47:24.312" v="1455" actId="20577"/>
+          <ac:spMkLst>
+            <pc:docMk/>
+            <pc:sldMk cId="2669849752" sldId="256"/>
+            <ac:spMk id="5" creationId="{D4783425-D152-9757-3E04-7E4ED0077EB7}"/>
           </ac:spMkLst>
         </pc:spChg>
       </pc:sldChg>
@@ -1094,7 +1102,7 @@
           <a:p>
             <a:fld id="{34A808A5-2B2B-4578-AA1F-DC528952FB0E}" type="datetimeFigureOut">
               <a:rPr lang="en-IN" smtClean="0"/>
-              <a:t>08-12-2024</a:t>
+              <a:t>11-12-2024</a:t>
             </a:fld>
             <a:endParaRPr lang="en-IN"/>
           </a:p>
@@ -1294,7 +1302,7 @@
           <a:p>
             <a:fld id="{34A808A5-2B2B-4578-AA1F-DC528952FB0E}" type="datetimeFigureOut">
               <a:rPr lang="en-IN" smtClean="0"/>
-              <a:t>08-12-2024</a:t>
+              <a:t>11-12-2024</a:t>
             </a:fld>
             <a:endParaRPr lang="en-IN"/>
           </a:p>
@@ -1504,7 +1512,7 @@
           <a:p>
             <a:fld id="{34A808A5-2B2B-4578-AA1F-DC528952FB0E}" type="datetimeFigureOut">
               <a:rPr lang="en-IN" smtClean="0"/>
-              <a:t>08-12-2024</a:t>
+              <a:t>11-12-2024</a:t>
             </a:fld>
             <a:endParaRPr lang="en-IN"/>
           </a:p>
@@ -1704,7 +1712,7 @@
           <a:p>
             <a:fld id="{34A808A5-2B2B-4578-AA1F-DC528952FB0E}" type="datetimeFigureOut">
               <a:rPr lang="en-IN" smtClean="0"/>
-              <a:t>08-12-2024</a:t>
+              <a:t>11-12-2024</a:t>
             </a:fld>
             <a:endParaRPr lang="en-IN"/>
           </a:p>
@@ -1980,7 +1988,7 @@
           <a:p>
             <a:fld id="{34A808A5-2B2B-4578-AA1F-DC528952FB0E}" type="datetimeFigureOut">
               <a:rPr lang="en-IN" smtClean="0"/>
-              <a:t>08-12-2024</a:t>
+              <a:t>11-12-2024</a:t>
             </a:fld>
             <a:endParaRPr lang="en-IN"/>
           </a:p>
@@ -2248,7 +2256,7 @@
           <a:p>
             <a:fld id="{34A808A5-2B2B-4578-AA1F-DC528952FB0E}" type="datetimeFigureOut">
               <a:rPr lang="en-IN" smtClean="0"/>
-              <a:t>08-12-2024</a:t>
+              <a:t>11-12-2024</a:t>
             </a:fld>
             <a:endParaRPr lang="en-IN"/>
           </a:p>
@@ -2663,7 +2671,7 @@
           <a:p>
             <a:fld id="{34A808A5-2B2B-4578-AA1F-DC528952FB0E}" type="datetimeFigureOut">
               <a:rPr lang="en-IN" smtClean="0"/>
-              <a:t>08-12-2024</a:t>
+              <a:t>11-12-2024</a:t>
             </a:fld>
             <a:endParaRPr lang="en-IN"/>
           </a:p>
@@ -2805,7 +2813,7 @@
           <a:p>
             <a:fld id="{34A808A5-2B2B-4578-AA1F-DC528952FB0E}" type="datetimeFigureOut">
               <a:rPr lang="en-IN" smtClean="0"/>
-              <a:t>08-12-2024</a:t>
+              <a:t>11-12-2024</a:t>
             </a:fld>
             <a:endParaRPr lang="en-IN"/>
           </a:p>
@@ -2918,7 +2926,7 @@
           <a:p>
             <a:fld id="{34A808A5-2B2B-4578-AA1F-DC528952FB0E}" type="datetimeFigureOut">
               <a:rPr lang="en-IN" smtClean="0"/>
-              <a:t>08-12-2024</a:t>
+              <a:t>11-12-2024</a:t>
             </a:fld>
             <a:endParaRPr lang="en-IN"/>
           </a:p>
@@ -3231,7 +3239,7 @@
           <a:p>
             <a:fld id="{34A808A5-2B2B-4578-AA1F-DC528952FB0E}" type="datetimeFigureOut">
               <a:rPr lang="en-IN" smtClean="0"/>
-              <a:t>08-12-2024</a:t>
+              <a:t>11-12-2024</a:t>
             </a:fld>
             <a:endParaRPr lang="en-IN"/>
           </a:p>
@@ -3520,7 +3528,7 @@
           <a:p>
             <a:fld id="{34A808A5-2B2B-4578-AA1F-DC528952FB0E}" type="datetimeFigureOut">
               <a:rPr lang="en-IN" smtClean="0"/>
-              <a:t>08-12-2024</a:t>
+              <a:t>11-12-2024</a:t>
             </a:fld>
             <a:endParaRPr lang="en-IN"/>
           </a:p>
@@ -3763,7 +3771,7 @@
           <a:p>
             <a:fld id="{34A808A5-2B2B-4578-AA1F-DC528952FB0E}" type="datetimeFigureOut">
               <a:rPr lang="en-IN" smtClean="0"/>
-              <a:t>08-12-2024</a:t>
+              <a:t>11-12-2024</a:t>
             </a:fld>
             <a:endParaRPr lang="en-IN"/>
           </a:p>
@@ -4233,7 +4241,6 @@
               <a:rPr lang="en-US" dirty="0"/>
               <a:t>Algorithm which assumes that similar points are likely to have similar labels or values</a:t>
             </a:r>
-            <a:endParaRPr lang="en-IN" dirty="0"/>
           </a:p>
         </p:txBody>
       </p:sp>
@@ -4444,6 +4451,208 @@
           </a:p>
         </p:txBody>
       </p:sp>
+      <p:sp>
+        <p:nvSpPr>
+          <p:cNvPr id="5" name="Subtitle 2">
+            <a:extLst>
+              <a:ext uri="{FF2B5EF4-FFF2-40B4-BE49-F238E27FC236}">
+                <a16:creationId xmlns:a16="http://schemas.microsoft.com/office/drawing/2014/main" id="{D4783425-D152-9757-3E04-7E4ED0077EB7}"/>
+              </a:ext>
+            </a:extLst>
+          </p:cNvPr>
+          <p:cNvSpPr txBox="1">
+            <a:spLocks/>
+          </p:cNvSpPr>
+          <p:nvPr/>
+        </p:nvSpPr>
+        <p:spPr>
+          <a:xfrm>
+            <a:off x="1524000" y="5349875"/>
+            <a:ext cx="9144000" cy="735806"/>
+          </a:xfrm>
+          <a:prstGeom prst="rect">
+            <a:avLst/>
+          </a:prstGeom>
+        </p:spPr>
+        <p:txBody>
+          <a:bodyPr vert="horz" lIns="91440" tIns="45720" rIns="91440" bIns="45720" rtlCol="0">
+            <a:normAutofit/>
+          </a:bodyPr>
+          <a:lstStyle>
+            <a:lvl1pPr marL="0" indent="0" algn="ctr" defTabSz="914400" rtl="0" eaLnBrk="1" latinLnBrk="0" hangingPunct="1">
+              <a:lnSpc>
+                <a:spcPct val="90000"/>
+              </a:lnSpc>
+              <a:spcBef>
+                <a:spcPts val="1000"/>
+              </a:spcBef>
+              <a:buFont typeface="Arial" panose="020B0604020202020204" pitchFamily="34" charset="0"/>
+              <a:buNone/>
+              <a:defRPr sz="2400" kern="1200">
+                <a:solidFill>
+                  <a:schemeClr val="tx1"/>
+                </a:solidFill>
+                <a:latin typeface="+mn-lt"/>
+                <a:ea typeface="+mn-ea"/>
+                <a:cs typeface="+mn-cs"/>
+              </a:defRPr>
+            </a:lvl1pPr>
+            <a:lvl2pPr marL="457200" indent="0" algn="ctr" defTabSz="914400" rtl="0" eaLnBrk="1" latinLnBrk="0" hangingPunct="1">
+              <a:lnSpc>
+                <a:spcPct val="90000"/>
+              </a:lnSpc>
+              <a:spcBef>
+                <a:spcPts val="500"/>
+              </a:spcBef>
+              <a:buFont typeface="Arial" panose="020B0604020202020204" pitchFamily="34" charset="0"/>
+              <a:buNone/>
+              <a:defRPr sz="2000" kern="1200">
+                <a:solidFill>
+                  <a:schemeClr val="tx1"/>
+                </a:solidFill>
+                <a:latin typeface="+mn-lt"/>
+                <a:ea typeface="+mn-ea"/>
+                <a:cs typeface="+mn-cs"/>
+              </a:defRPr>
+            </a:lvl2pPr>
+            <a:lvl3pPr marL="914400" indent="0" algn="ctr" defTabSz="914400" rtl="0" eaLnBrk="1" latinLnBrk="0" hangingPunct="1">
+              <a:lnSpc>
+                <a:spcPct val="90000"/>
+              </a:lnSpc>
+              <a:spcBef>
+                <a:spcPts val="500"/>
+              </a:spcBef>
+              <a:buFont typeface="Arial" panose="020B0604020202020204" pitchFamily="34" charset="0"/>
+              <a:buNone/>
+              <a:defRPr sz="1800" kern="1200">
+                <a:solidFill>
+                  <a:schemeClr val="tx1"/>
+                </a:solidFill>
+                <a:latin typeface="+mn-lt"/>
+                <a:ea typeface="+mn-ea"/>
+                <a:cs typeface="+mn-cs"/>
+              </a:defRPr>
+            </a:lvl3pPr>
+            <a:lvl4pPr marL="1371600" indent="0" algn="ctr" defTabSz="914400" rtl="0" eaLnBrk="1" latinLnBrk="0" hangingPunct="1">
+              <a:lnSpc>
+                <a:spcPct val="90000"/>
+              </a:lnSpc>
+              <a:spcBef>
+                <a:spcPts val="500"/>
+              </a:spcBef>
+              <a:buFont typeface="Arial" panose="020B0604020202020204" pitchFamily="34" charset="0"/>
+              <a:buNone/>
+              <a:defRPr sz="1600" kern="1200">
+                <a:solidFill>
+                  <a:schemeClr val="tx1"/>
+                </a:solidFill>
+                <a:latin typeface="+mn-lt"/>
+                <a:ea typeface="+mn-ea"/>
+                <a:cs typeface="+mn-cs"/>
+              </a:defRPr>
+            </a:lvl4pPr>
+            <a:lvl5pPr marL="1828800" indent="0" algn="ctr" defTabSz="914400" rtl="0" eaLnBrk="1" latinLnBrk="0" hangingPunct="1">
+              <a:lnSpc>
+                <a:spcPct val="90000"/>
+              </a:lnSpc>
+              <a:spcBef>
+                <a:spcPts val="500"/>
+              </a:spcBef>
+              <a:buFont typeface="Arial" panose="020B0604020202020204" pitchFamily="34" charset="0"/>
+              <a:buNone/>
+              <a:defRPr sz="1600" kern="1200">
+                <a:solidFill>
+                  <a:schemeClr val="tx1"/>
+                </a:solidFill>
+                <a:latin typeface="+mn-lt"/>
+                <a:ea typeface="+mn-ea"/>
+                <a:cs typeface="+mn-cs"/>
+              </a:defRPr>
+            </a:lvl5pPr>
+            <a:lvl6pPr marL="2286000" indent="0" algn="ctr" defTabSz="914400" rtl="0" eaLnBrk="1" latinLnBrk="0" hangingPunct="1">
+              <a:lnSpc>
+                <a:spcPct val="90000"/>
+              </a:lnSpc>
+              <a:spcBef>
+                <a:spcPts val="500"/>
+              </a:spcBef>
+              <a:buFont typeface="Arial" panose="020B0604020202020204" pitchFamily="34" charset="0"/>
+              <a:buNone/>
+              <a:defRPr sz="1600" kern="1200">
+                <a:solidFill>
+                  <a:schemeClr val="tx1"/>
+                </a:solidFill>
+                <a:latin typeface="+mn-lt"/>
+                <a:ea typeface="+mn-ea"/>
+                <a:cs typeface="+mn-cs"/>
+              </a:defRPr>
+            </a:lvl6pPr>
+            <a:lvl7pPr marL="2743200" indent="0" algn="ctr" defTabSz="914400" rtl="0" eaLnBrk="1" latinLnBrk="0" hangingPunct="1">
+              <a:lnSpc>
+                <a:spcPct val="90000"/>
+              </a:lnSpc>
+              <a:spcBef>
+                <a:spcPts val="500"/>
+              </a:spcBef>
+              <a:buFont typeface="Arial" panose="020B0604020202020204" pitchFamily="34" charset="0"/>
+              <a:buNone/>
+              <a:defRPr sz="1600" kern="1200">
+                <a:solidFill>
+                  <a:schemeClr val="tx1"/>
+                </a:solidFill>
+                <a:latin typeface="+mn-lt"/>
+                <a:ea typeface="+mn-ea"/>
+                <a:cs typeface="+mn-cs"/>
+              </a:defRPr>
+            </a:lvl7pPr>
+            <a:lvl8pPr marL="3200400" indent="0" algn="ctr" defTabSz="914400" rtl="0" eaLnBrk="1" latinLnBrk="0" hangingPunct="1">
+              <a:lnSpc>
+                <a:spcPct val="90000"/>
+              </a:lnSpc>
+              <a:spcBef>
+                <a:spcPts val="500"/>
+              </a:spcBef>
+              <a:buFont typeface="Arial" panose="020B0604020202020204" pitchFamily="34" charset="0"/>
+              <a:buNone/>
+              <a:defRPr sz="1600" kern="1200">
+                <a:solidFill>
+                  <a:schemeClr val="tx1"/>
+                </a:solidFill>
+                <a:latin typeface="+mn-lt"/>
+                <a:ea typeface="+mn-ea"/>
+                <a:cs typeface="+mn-cs"/>
+              </a:defRPr>
+            </a:lvl8pPr>
+            <a:lvl9pPr marL="3657600" indent="0" algn="ctr" defTabSz="914400" rtl="0" eaLnBrk="1" latinLnBrk="0" hangingPunct="1">
+              <a:lnSpc>
+                <a:spcPct val="90000"/>
+              </a:lnSpc>
+              <a:spcBef>
+                <a:spcPts val="500"/>
+              </a:spcBef>
+              <a:buFont typeface="Arial" panose="020B0604020202020204" pitchFamily="34" charset="0"/>
+              <a:buNone/>
+              <a:defRPr sz="1600" kern="1200">
+                <a:solidFill>
+                  <a:schemeClr val="tx1"/>
+                </a:solidFill>
+                <a:latin typeface="+mn-lt"/>
+                <a:ea typeface="+mn-ea"/>
+                <a:cs typeface="+mn-cs"/>
+              </a:defRPr>
+            </a:lvl9pPr>
+          </a:lstStyle>
+          <a:p>
+            <a:r>
+              <a:rPr lang="en-IN" dirty="0">
+                <a:hlinkClick r:id="rId2"/>
+              </a:rPr>
+              <a:t>Git hub link</a:t>
+            </a:r>
+            <a:endParaRPr lang="en-IN" dirty="0"/>
+          </a:p>
+        </p:txBody>
+      </p:sp>
     </p:spTree>
     <p:extLst>
       <p:ext uri="{BB962C8B-B14F-4D97-AF65-F5344CB8AC3E}">
@@ -4454,13 +4663,13 @@
   <p:clrMapOvr>
     <a:masterClrMapping/>
   </p:clrMapOvr>
-  <mc:AlternateContent xmlns:mc="http://schemas.openxmlformats.org/markup-compatibility/2006">
-    <mc:Choice xmlns:p159="http://schemas.microsoft.com/office/powerpoint/2015/09/main" Requires="p159">
+  <mc:AlternateContent xmlns:mc="http://schemas.openxmlformats.org/markup-compatibility/2006" xmlns:p159="http://schemas.microsoft.com/office/powerpoint/2015/09/main">
+    <mc:Choice Requires="p159">
       <p:transition xmlns:p14="http://schemas.microsoft.com/office/powerpoint/2010/main" spd="slow" p14:dur="2000">
         <p159:morph option="byObject"/>
       </p:transition>
     </mc:Choice>
-    <mc:Fallback>
+    <mc:Fallback xmlns="">
       <p:transition spd="slow">
         <p:fade/>
       </p:transition>
@@ -4579,6 +4788,58 @@
                       </p:childTnLst>
                     </p:cTn>
                   </p:par>
+                  <p:par>
+                    <p:cTn id="13" fill="hold">
+                      <p:stCondLst>
+                        <p:cond delay="indefinite"/>
+                      </p:stCondLst>
+                      <p:childTnLst>
+                        <p:par>
+                          <p:cTn id="14" fill="hold">
+                            <p:stCondLst>
+                              <p:cond delay="0"/>
+                            </p:stCondLst>
+                            <p:childTnLst>
+                              <p:par>
+                                <p:cTn id="15" presetID="26" presetClass="emph" presetSubtype="0" fill="hold" grpId="0" nodeType="clickEffect">
+                                  <p:stCondLst>
+                                    <p:cond delay="0"/>
+                                  </p:stCondLst>
+                                  <p:childTnLst>
+                                    <p:animEffect transition="out" filter="fade">
+                                      <p:cBhvr>
+                                        <p:cTn id="16" dur="500" tmFilter="0, 0; .2, .5; .8, .5; 1, 0"/>
+                                        <p:tgtEl>
+                                          <p:spTgt spid="5">
+                                            <p:txEl>
+                                              <p:pRg st="0" end="0"/>
+                                            </p:txEl>
+                                          </p:spTgt>
+                                        </p:tgtEl>
+                                      </p:cBhvr>
+                                    </p:animEffect>
+                                    <p:animScale>
+                                      <p:cBhvr>
+                                        <p:cTn id="17" dur="250" autoRev="1" fill="hold"/>
+                                        <p:tgtEl>
+                                          <p:spTgt spid="5">
+                                            <p:txEl>
+                                              <p:pRg st="0" end="0"/>
+                                            </p:txEl>
+                                          </p:spTgt>
+                                        </p:tgtEl>
+                                      </p:cBhvr>
+                                      <p:by x="105000" y="105000"/>
+                                    </p:animScale>
+                                  </p:childTnLst>
+                                </p:cTn>
+                              </p:par>
+                            </p:childTnLst>
+                          </p:cTn>
+                        </p:par>
+                      </p:childTnLst>
+                    </p:cTn>
+                  </p:par>
                 </p:childTnLst>
               </p:cTn>
               <p:prevCondLst>
@@ -4603,6 +4864,7 @@
     <p:bldLst>
       <p:bldP spid="3" grpId="0" build="p"/>
       <p:bldP spid="4" grpId="0"/>
+      <p:bldP spid="5" grpId="0" build="p"/>
     </p:bldLst>
   </p:timing>
 </p:sld>
@@ -6348,13 +6610,13 @@
   <p:clrMapOvr>
     <a:masterClrMapping/>
   </p:clrMapOvr>
-  <mc:AlternateContent xmlns:mc="http://schemas.openxmlformats.org/markup-compatibility/2006">
-    <mc:Choice xmlns:p159="http://schemas.microsoft.com/office/powerpoint/2015/09/main" Requires="p159">
+  <mc:AlternateContent xmlns:mc="http://schemas.openxmlformats.org/markup-compatibility/2006" xmlns:p159="http://schemas.microsoft.com/office/powerpoint/2015/09/main">
+    <mc:Choice Requires="p159">
       <p:transition xmlns:p14="http://schemas.microsoft.com/office/powerpoint/2010/main" spd="slow" p14:dur="2000">
         <p159:morph option="byObject"/>
       </p:transition>
     </mc:Choice>
-    <mc:Fallback>
+    <mc:Fallback xmlns="">
       <p:transition spd="slow">
         <p:fade/>
       </p:transition>
